--- a/pdf/Practica 2_Limpieza y analisis de datos.pptx
+++ b/pdf/Practica 2_Limpieza y analisis de datos.pptx
@@ -4914,7 +4914,7 @@
         <p:spPr>
           <a:xfrm>
             <a:off x="889233" y="1389431"/>
-            <a:ext cx="7941258" cy="4946419"/>
+            <a:ext cx="7941258" cy="5242782"/>
           </a:xfrm>
           <a:prstGeom prst="rect">
             <a:avLst/>
@@ -5106,13 +5106,22 @@
               <a:buChar char="§"/>
             </a:pPr>
             <a:r>
+              <a:rPr lang="es-ES" sz="1800">
+                <a:effectLst/>
+                <a:latin typeface="Calibri" panose="020F0502020204030204" pitchFamily="34" charset="0"/>
+                <a:ea typeface="Calibri" panose="020F0502020204030204" pitchFamily="34" charset="0"/>
+                <a:cs typeface="Times New Roman" panose="02020603050405020304" pitchFamily="18" charset="0"/>
+              </a:rPr>
+              <a:t>Valores extremos. Se </a:t>
+            </a:r>
+            <a:r>
               <a:rPr lang="es-ES" sz="1800" dirty="0">
                 <a:effectLst/>
                 <a:latin typeface="Calibri" panose="020F0502020204030204" pitchFamily="34" charset="0"/>
                 <a:ea typeface="Calibri" panose="020F0502020204030204" pitchFamily="34" charset="0"/>
                 <a:cs typeface="Times New Roman" panose="02020603050405020304" pitchFamily="18" charset="0"/>
               </a:rPr>
-              <a:t>Se han </a:t>
+              <a:t>han </a:t>
             </a:r>
             <a:r>
               <a:rPr lang="es-ES" dirty="0">

--- a/pdf/Practica 2_Limpieza y analisis de datos.pptx
+++ b/pdf/Practica 2_Limpieza y analisis de datos.pptx
@@ -5936,7 +5936,7 @@
                 <a:ea typeface="Calibri" panose="020F0502020204030204" pitchFamily="34" charset="0"/>
                 <a:cs typeface="Times New Roman" panose="02020603050405020304" pitchFamily="18" charset="0"/>
               </a:rPr>
-              <a:t>El modelo por regresión lineal tan solo explica el 35,42% de la variabilidad observada en la calidad del vino. Un porcentaje inferior al del azar.</a:t>
+              <a:t>El modelo por regresión lineal tan solo explica el 35,79% de la variabilidad observada en la calidad del vino. Un porcentaje inferior al del azar.</a:t>
             </a:r>
           </a:p>
           <a:p>

--- a/pdf/Practica 2_Limpieza y analisis de datos.pptx
+++ b/pdf/Practica 2_Limpieza y analisis de datos.pptx
@@ -6598,7 +6598,7 @@
         <p:spPr>
           <a:xfrm>
             <a:off x="1190002" y="1654371"/>
-            <a:ext cx="9851163" cy="3610284"/>
+            <a:ext cx="9851163" cy="3313921"/>
           </a:xfrm>
           <a:prstGeom prst="rect">
             <a:avLst/>
@@ -6871,78 +6871,6 @@
             </a:r>
           </a:p>
           <a:p>
-            <a:pPr marL="342900" indent="-342900" algn="just">
-              <a:lnSpc>
-                <a:spcPct val="107000"/>
-              </a:lnSpc>
-              <a:buFont typeface="Wingdings" panose="05000000000000000000" pitchFamily="2" charset="2"/>
-              <a:buChar char=""/>
-            </a:pPr>
-            <a:r>
-              <a:rPr lang="es-ES" dirty="0">
-                <a:latin typeface="Calibri" panose="020F0502020204030204" pitchFamily="34" charset="0"/>
-                <a:cs typeface="Times New Roman" panose="02020603050405020304" pitchFamily="18" charset="0"/>
-              </a:rPr>
-              <a:t>Wes </a:t>
-            </a:r>
-            <a:r>
-              <a:rPr lang="es-ES" dirty="0" err="1">
-                <a:latin typeface="Calibri" panose="020F0502020204030204" pitchFamily="34" charset="0"/>
-                <a:cs typeface="Times New Roman" panose="02020603050405020304" pitchFamily="18" charset="0"/>
-              </a:rPr>
-              <a:t>McKinney</a:t>
-            </a:r>
-            <a:r>
-              <a:rPr lang="es-ES" dirty="0">
-                <a:latin typeface="Calibri" panose="020F0502020204030204" pitchFamily="34" charset="0"/>
-                <a:cs typeface="Times New Roman" panose="02020603050405020304" pitchFamily="18" charset="0"/>
-              </a:rPr>
-              <a:t> (2012). Python </a:t>
-            </a:r>
-            <a:r>
-              <a:rPr lang="es-ES" dirty="0" err="1">
-                <a:latin typeface="Calibri" panose="020F0502020204030204" pitchFamily="34" charset="0"/>
-                <a:cs typeface="Times New Roman" panose="02020603050405020304" pitchFamily="18" charset="0"/>
-              </a:rPr>
-              <a:t>for</a:t>
-            </a:r>
-            <a:r>
-              <a:rPr lang="es-ES" dirty="0">
-                <a:latin typeface="Calibri" panose="020F0502020204030204" pitchFamily="34" charset="0"/>
-                <a:cs typeface="Times New Roman" panose="02020603050405020304" pitchFamily="18" charset="0"/>
-              </a:rPr>
-              <a:t> Data </a:t>
-            </a:r>
-            <a:r>
-              <a:rPr lang="es-ES" dirty="0" err="1">
-                <a:latin typeface="Calibri" panose="020F0502020204030204" pitchFamily="34" charset="0"/>
-                <a:cs typeface="Times New Roman" panose="02020603050405020304" pitchFamily="18" charset="0"/>
-              </a:rPr>
-              <a:t>Analysis</a:t>
-            </a:r>
-            <a:r>
-              <a:rPr lang="es-ES" dirty="0">
-                <a:latin typeface="Calibri" panose="020F0502020204030204" pitchFamily="34" charset="0"/>
-                <a:cs typeface="Times New Roman" panose="02020603050405020304" pitchFamily="18" charset="0"/>
-              </a:rPr>
-              <a:t>. </a:t>
-            </a:r>
-            <a:r>
-              <a:rPr lang="es-ES" dirty="0" err="1">
-                <a:latin typeface="Calibri" panose="020F0502020204030204" pitchFamily="34" charset="0"/>
-                <a:cs typeface="Times New Roman" panose="02020603050405020304" pitchFamily="18" charset="0"/>
-              </a:rPr>
-              <a:t>O’Reilley</a:t>
-            </a:r>
-            <a:r>
-              <a:rPr lang="es-ES" dirty="0">
-                <a:latin typeface="Calibri" panose="020F0502020204030204" pitchFamily="34" charset="0"/>
-                <a:cs typeface="Times New Roman" panose="02020603050405020304" pitchFamily="18" charset="0"/>
-              </a:rPr>
-              <a:t> Media, Inc.</a:t>
-            </a:r>
-          </a:p>
-          <a:p>
             <a:pPr marL="342900" lvl="0" indent="-342900" algn="just">
               <a:lnSpc>
                 <a:spcPct val="107000"/>
@@ -6954,13 +6882,22 @@
               <a:buChar char=""/>
             </a:pPr>
             <a:r>
+              <a:rPr lang="es-ES" sz="1800">
+                <a:effectLst/>
+                <a:latin typeface="Calibri" panose="020F0502020204030204" pitchFamily="34" charset="0"/>
+                <a:ea typeface="Calibri" panose="020F0502020204030204" pitchFamily="34" charset="0"/>
+                <a:cs typeface="Times New Roman" panose="02020603050405020304" pitchFamily="18" charset="0"/>
+              </a:rPr>
+              <a:t>Tutorial </a:t>
+            </a:r>
+            <a:r>
               <a:rPr lang="es-ES" sz="1800" dirty="0">
                 <a:effectLst/>
                 <a:latin typeface="Calibri" panose="020F0502020204030204" pitchFamily="34" charset="0"/>
                 <a:ea typeface="Calibri" panose="020F0502020204030204" pitchFamily="34" charset="0"/>
                 <a:cs typeface="Times New Roman" panose="02020603050405020304" pitchFamily="18" charset="0"/>
               </a:rPr>
-              <a:t>Tutorial de </a:t>
+              <a:t>de </a:t>
             </a:r>
             <a:r>
               <a:rPr lang="es-ES" sz="1800" dirty="0" err="1">
